--- a/for_school/2nd semester/TDD용.pptx
+++ b/for_school/2nd semester/TDD용.pptx
@@ -8,7 +8,8 @@
     <p:sldId id="256" r:id="rId2"/>
     <p:sldId id="257" r:id="rId3"/>
     <p:sldId id="258" r:id="rId4"/>
-    <p:sldId id="259" r:id="rId5"/>
+    <p:sldId id="260" r:id="rId5"/>
+    <p:sldId id="259" r:id="rId6"/>
   </p:sldIdLst>
   <p:sldSz cx="12192000" cy="6858000"/>
   <p:notesSz cx="6858000" cy="9144000"/>
@@ -262,7 +263,7 @@
           <a:p>
             <a:fld id="{8234BF1D-3D7D-4F3E-A7F6-DBC9807E5767}" type="datetimeFigureOut">
               <a:rPr lang="ko-KR" altLang="en-US" smtClean="0"/>
-              <a:t>2024-11-26</a:t>
+              <a:t>2024-11-27</a:t>
             </a:fld>
             <a:endParaRPr lang="ko-KR" altLang="en-US"/>
           </a:p>
@@ -460,7 +461,7 @@
           <a:p>
             <a:fld id="{8234BF1D-3D7D-4F3E-A7F6-DBC9807E5767}" type="datetimeFigureOut">
               <a:rPr lang="ko-KR" altLang="en-US" smtClean="0"/>
-              <a:t>2024-11-26</a:t>
+              <a:t>2024-11-27</a:t>
             </a:fld>
             <a:endParaRPr lang="ko-KR" altLang="en-US"/>
           </a:p>
@@ -668,7 +669,7 @@
           <a:p>
             <a:fld id="{8234BF1D-3D7D-4F3E-A7F6-DBC9807E5767}" type="datetimeFigureOut">
               <a:rPr lang="ko-KR" altLang="en-US" smtClean="0"/>
-              <a:t>2024-11-26</a:t>
+              <a:t>2024-11-27</a:t>
             </a:fld>
             <a:endParaRPr lang="ko-KR" altLang="en-US"/>
           </a:p>
@@ -866,7 +867,7 @@
           <a:p>
             <a:fld id="{8234BF1D-3D7D-4F3E-A7F6-DBC9807E5767}" type="datetimeFigureOut">
               <a:rPr lang="ko-KR" altLang="en-US" smtClean="0"/>
-              <a:t>2024-11-26</a:t>
+              <a:t>2024-11-27</a:t>
             </a:fld>
             <a:endParaRPr lang="ko-KR" altLang="en-US"/>
           </a:p>
@@ -1141,7 +1142,7 @@
           <a:p>
             <a:fld id="{8234BF1D-3D7D-4F3E-A7F6-DBC9807E5767}" type="datetimeFigureOut">
               <a:rPr lang="ko-KR" altLang="en-US" smtClean="0"/>
-              <a:t>2024-11-26</a:t>
+              <a:t>2024-11-27</a:t>
             </a:fld>
             <a:endParaRPr lang="ko-KR" altLang="en-US"/>
           </a:p>
@@ -1406,7 +1407,7 @@
           <a:p>
             <a:fld id="{8234BF1D-3D7D-4F3E-A7F6-DBC9807E5767}" type="datetimeFigureOut">
               <a:rPr lang="ko-KR" altLang="en-US" smtClean="0"/>
-              <a:t>2024-11-26</a:t>
+              <a:t>2024-11-27</a:t>
             </a:fld>
             <a:endParaRPr lang="ko-KR" altLang="en-US"/>
           </a:p>
@@ -1818,7 +1819,7 @@
           <a:p>
             <a:fld id="{8234BF1D-3D7D-4F3E-A7F6-DBC9807E5767}" type="datetimeFigureOut">
               <a:rPr lang="ko-KR" altLang="en-US" smtClean="0"/>
-              <a:t>2024-11-26</a:t>
+              <a:t>2024-11-27</a:t>
             </a:fld>
             <a:endParaRPr lang="ko-KR" altLang="en-US"/>
           </a:p>
@@ -1959,7 +1960,7 @@
           <a:p>
             <a:fld id="{8234BF1D-3D7D-4F3E-A7F6-DBC9807E5767}" type="datetimeFigureOut">
               <a:rPr lang="ko-KR" altLang="en-US" smtClean="0"/>
-              <a:t>2024-11-26</a:t>
+              <a:t>2024-11-27</a:t>
             </a:fld>
             <a:endParaRPr lang="ko-KR" altLang="en-US"/>
           </a:p>
@@ -2072,7 +2073,7 @@
           <a:p>
             <a:fld id="{8234BF1D-3D7D-4F3E-A7F6-DBC9807E5767}" type="datetimeFigureOut">
               <a:rPr lang="ko-KR" altLang="en-US" smtClean="0"/>
-              <a:t>2024-11-26</a:t>
+              <a:t>2024-11-27</a:t>
             </a:fld>
             <a:endParaRPr lang="ko-KR" altLang="en-US"/>
           </a:p>
@@ -2383,7 +2384,7 @@
           <a:p>
             <a:fld id="{8234BF1D-3D7D-4F3E-A7F6-DBC9807E5767}" type="datetimeFigureOut">
               <a:rPr lang="ko-KR" altLang="en-US" smtClean="0"/>
-              <a:t>2024-11-26</a:t>
+              <a:t>2024-11-27</a:t>
             </a:fld>
             <a:endParaRPr lang="ko-KR" altLang="en-US"/>
           </a:p>
@@ -2671,7 +2672,7 @@
           <a:p>
             <a:fld id="{8234BF1D-3D7D-4F3E-A7F6-DBC9807E5767}" type="datetimeFigureOut">
               <a:rPr lang="ko-KR" altLang="en-US" smtClean="0"/>
-              <a:t>2024-11-26</a:t>
+              <a:t>2024-11-27</a:t>
             </a:fld>
             <a:endParaRPr lang="ko-KR" altLang="en-US"/>
           </a:p>
@@ -2912,7 +2913,7 @@
           <a:p>
             <a:fld id="{8234BF1D-3D7D-4F3E-A7F6-DBC9807E5767}" type="datetimeFigureOut">
               <a:rPr lang="ko-KR" altLang="en-US" smtClean="0"/>
-              <a:t>2024-11-26</a:t>
+              <a:t>2024-11-27</a:t>
             </a:fld>
             <a:endParaRPr lang="ko-KR" altLang="en-US"/>
           </a:p>
@@ -8818,6 +8819,1682 @@
 </file>
 
 <file path=ppt/slides/slide4.xml><?xml version="1.0" encoding="utf-8"?>
+<p:sld xmlns:a="http://schemas.openxmlformats.org/drawingml/2006/main" xmlns:r="http://schemas.openxmlformats.org/officeDocument/2006/relationships" xmlns:p="http://schemas.openxmlformats.org/presentationml/2006/main">
+  <p:cSld>
+    <p:spTree>
+      <p:nvGrpSpPr>
+        <p:cNvPr id="1" name="">
+          <a:extLst>
+            <a:ext uri="{FF2B5EF4-FFF2-40B4-BE49-F238E27FC236}">
+              <a16:creationId xmlns:a16="http://schemas.microsoft.com/office/drawing/2014/main" id="{DF2ACD37-5377-5E4B-4D9E-EB194BEAE286}"/>
+            </a:ext>
+          </a:extLst>
+        </p:cNvPr>
+        <p:cNvGrpSpPr/>
+        <p:nvPr/>
+      </p:nvGrpSpPr>
+      <p:grpSpPr>
+        <a:xfrm>
+          <a:off x="0" y="0"/>
+          <a:ext cx="0" cy="0"/>
+          <a:chOff x="0" y="0"/>
+          <a:chExt cx="0" cy="0"/>
+        </a:xfrm>
+      </p:grpSpPr>
+      <p:sp>
+        <p:nvSpPr>
+          <p:cNvPr id="25" name="직사각형 24">
+            <a:extLst>
+              <a:ext uri="{FF2B5EF4-FFF2-40B4-BE49-F238E27FC236}">
+                <a16:creationId xmlns:a16="http://schemas.microsoft.com/office/drawing/2014/main" id="{B48CBF57-0201-CCCE-21C0-2ECBA5C90595}"/>
+              </a:ext>
+            </a:extLst>
+          </p:cNvPr>
+          <p:cNvSpPr/>
+          <p:nvPr/>
+        </p:nvSpPr>
+        <p:spPr>
+          <a:xfrm>
+            <a:off x="2986556" y="2678879"/>
+            <a:ext cx="5761180" cy="1745672"/>
+          </a:xfrm>
+          <a:prstGeom prst="rect">
+            <a:avLst/>
+          </a:prstGeom>
+          <a:solidFill>
+            <a:schemeClr val="bg1"/>
+          </a:solidFill>
+          <a:ln>
+            <a:solidFill>
+              <a:schemeClr val="tx1"/>
+            </a:solidFill>
+          </a:ln>
+        </p:spPr>
+        <p:style>
+          <a:lnRef idx="2">
+            <a:schemeClr val="accent1">
+              <a:shade val="15000"/>
+            </a:schemeClr>
+          </a:lnRef>
+          <a:fillRef idx="1">
+            <a:schemeClr val="accent1"/>
+          </a:fillRef>
+          <a:effectRef idx="0">
+            <a:schemeClr val="accent1"/>
+          </a:effectRef>
+          <a:fontRef idx="minor">
+            <a:schemeClr val="lt1"/>
+          </a:fontRef>
+        </p:style>
+        <p:txBody>
+          <a:bodyPr rtlCol="0" anchor="ctr"/>
+          <a:lstStyle/>
+          <a:p>
+            <a:pPr algn="ctr"/>
+            <a:endParaRPr lang="en-US" altLang="ko-KR" dirty="0">
+              <a:solidFill>
+                <a:sysClr val="windowText" lastClr="000000"/>
+              </a:solidFill>
+            </a:endParaRPr>
+          </a:p>
+          <a:p>
+            <a:pPr algn="ctr"/>
+            <a:endParaRPr lang="en-US" altLang="ko-KR" dirty="0">
+              <a:solidFill>
+                <a:sysClr val="windowText" lastClr="000000"/>
+              </a:solidFill>
+            </a:endParaRPr>
+          </a:p>
+          <a:p>
+            <a:pPr algn="ctr"/>
+            <a:endParaRPr lang="en-US" altLang="ko-KR" dirty="0">
+              <a:solidFill>
+                <a:sysClr val="windowText" lastClr="000000"/>
+              </a:solidFill>
+            </a:endParaRPr>
+          </a:p>
+          <a:p>
+            <a:pPr algn="ctr"/>
+            <a:endParaRPr lang="en-US" altLang="ko-KR" dirty="0">
+              <a:solidFill>
+                <a:sysClr val="windowText" lastClr="000000"/>
+              </a:solidFill>
+            </a:endParaRPr>
+          </a:p>
+          <a:p>
+            <a:pPr algn="ctr"/>
+            <a:r>
+              <a:rPr lang="en-US" altLang="ko-KR" dirty="0">
+                <a:solidFill>
+                  <a:sysClr val="windowText" lastClr="000000"/>
+                </a:solidFill>
+              </a:rPr>
+              <a:t>2. </a:t>
+            </a:r>
+            <a:r>
+              <a:rPr lang="ko-KR" altLang="en-US" dirty="0">
+                <a:solidFill>
+                  <a:sysClr val="windowText" lastClr="000000"/>
+                </a:solidFill>
+              </a:rPr>
+              <a:t>세부 계산 및 성장 시스템</a:t>
+            </a:r>
+            <a:r>
+              <a:rPr lang="en-US" altLang="ko-KR" dirty="0">
+                <a:solidFill>
+                  <a:sysClr val="windowText" lastClr="000000"/>
+                </a:solidFill>
+              </a:rPr>
+              <a:t>(</a:t>
+            </a:r>
+            <a:r>
+              <a:rPr lang="en-US" altLang="ko-KR" dirty="0" err="1">
+                <a:solidFill>
+                  <a:sysClr val="windowText" lastClr="000000"/>
+                </a:solidFill>
+              </a:rPr>
+              <a:t>StaminaCalc</a:t>
+            </a:r>
+            <a:r>
+              <a:rPr lang="en-US" altLang="ko-KR" dirty="0">
+                <a:solidFill>
+                  <a:sysClr val="windowText" lastClr="000000"/>
+                </a:solidFill>
+              </a:rPr>
+              <a:t> </a:t>
+            </a:r>
+            <a:r>
+              <a:rPr lang="ko-KR" altLang="en-US" dirty="0">
+                <a:solidFill>
+                  <a:sysClr val="windowText" lastClr="000000"/>
+                </a:solidFill>
+              </a:rPr>
+              <a:t>관련</a:t>
+            </a:r>
+            <a:r>
+              <a:rPr lang="en-US" altLang="ko-KR" dirty="0">
+                <a:solidFill>
+                  <a:sysClr val="windowText" lastClr="000000"/>
+                </a:solidFill>
+              </a:rPr>
+              <a:t>)</a:t>
+            </a:r>
+          </a:p>
+        </p:txBody>
+      </p:sp>
+      <p:sp>
+        <p:nvSpPr>
+          <p:cNvPr id="7" name="직사각형 6">
+            <a:extLst>
+              <a:ext uri="{FF2B5EF4-FFF2-40B4-BE49-F238E27FC236}">
+                <a16:creationId xmlns:a16="http://schemas.microsoft.com/office/drawing/2014/main" id="{7C843B7E-9DC0-E42A-B87A-A6DC9FCE9730}"/>
+              </a:ext>
+            </a:extLst>
+          </p:cNvPr>
+          <p:cNvSpPr/>
+          <p:nvPr/>
+        </p:nvSpPr>
+        <p:spPr>
+          <a:xfrm>
+            <a:off x="2986556" y="378815"/>
+            <a:ext cx="5761180" cy="1745672"/>
+          </a:xfrm>
+          <a:prstGeom prst="rect">
+            <a:avLst/>
+          </a:prstGeom>
+          <a:solidFill>
+            <a:schemeClr val="bg1"/>
+          </a:solidFill>
+          <a:ln>
+            <a:solidFill>
+              <a:schemeClr val="tx1"/>
+            </a:solidFill>
+          </a:ln>
+        </p:spPr>
+        <p:style>
+          <a:lnRef idx="2">
+            <a:schemeClr val="accent1">
+              <a:shade val="15000"/>
+            </a:schemeClr>
+          </a:lnRef>
+          <a:fillRef idx="1">
+            <a:schemeClr val="accent1"/>
+          </a:fillRef>
+          <a:effectRef idx="0">
+            <a:schemeClr val="accent1"/>
+          </a:effectRef>
+          <a:fontRef idx="minor">
+            <a:schemeClr val="lt1"/>
+          </a:fontRef>
+        </p:style>
+        <p:txBody>
+          <a:bodyPr rtlCol="0" anchor="ctr"/>
+          <a:lstStyle/>
+          <a:p>
+            <a:pPr algn="ctr"/>
+            <a:endParaRPr lang="en-US" altLang="ko-KR" dirty="0">
+              <a:solidFill>
+                <a:sysClr val="windowText" lastClr="000000"/>
+              </a:solidFill>
+            </a:endParaRPr>
+          </a:p>
+          <a:p>
+            <a:pPr algn="ctr"/>
+            <a:endParaRPr lang="en-US" altLang="ko-KR" dirty="0">
+              <a:solidFill>
+                <a:sysClr val="windowText" lastClr="000000"/>
+              </a:solidFill>
+            </a:endParaRPr>
+          </a:p>
+          <a:p>
+            <a:pPr algn="ctr"/>
+            <a:endParaRPr lang="en-US" altLang="ko-KR" dirty="0">
+              <a:solidFill>
+                <a:sysClr val="windowText" lastClr="000000"/>
+              </a:solidFill>
+            </a:endParaRPr>
+          </a:p>
+          <a:p>
+            <a:pPr algn="ctr"/>
+            <a:endParaRPr lang="en-US" altLang="ko-KR" dirty="0">
+              <a:solidFill>
+                <a:sysClr val="windowText" lastClr="000000"/>
+              </a:solidFill>
+            </a:endParaRPr>
+          </a:p>
+          <a:p>
+            <a:pPr algn="ctr"/>
+            <a:r>
+              <a:rPr lang="en-US" altLang="ko-KR" dirty="0">
+                <a:solidFill>
+                  <a:sysClr val="windowText" lastClr="000000"/>
+                </a:solidFill>
+              </a:rPr>
+              <a:t>1. </a:t>
+            </a:r>
+            <a:r>
+              <a:rPr lang="ko-KR" altLang="en-US" dirty="0">
+                <a:solidFill>
+                  <a:sysClr val="windowText" lastClr="000000"/>
+                </a:solidFill>
+              </a:rPr>
+              <a:t>기초 데이터 관리 시스템</a:t>
+            </a:r>
+            <a:r>
+              <a:rPr lang="en-US" altLang="ko-KR" dirty="0">
+                <a:solidFill>
+                  <a:sysClr val="windowText" lastClr="000000"/>
+                </a:solidFill>
+              </a:rPr>
+              <a:t>(</a:t>
+            </a:r>
+            <a:r>
+              <a:rPr lang="en-US" altLang="ko-KR" dirty="0" err="1">
+                <a:solidFill>
+                  <a:sysClr val="windowText" lastClr="000000"/>
+                </a:solidFill>
+              </a:rPr>
+              <a:t>UserData</a:t>
+            </a:r>
+            <a:r>
+              <a:rPr lang="en-US" altLang="ko-KR" dirty="0">
+                <a:solidFill>
+                  <a:sysClr val="windowText" lastClr="000000"/>
+                </a:solidFill>
+              </a:rPr>
+              <a:t> </a:t>
+            </a:r>
+            <a:r>
+              <a:rPr lang="ko-KR" altLang="en-US" dirty="0">
+                <a:solidFill>
+                  <a:sysClr val="windowText" lastClr="000000"/>
+                </a:solidFill>
+              </a:rPr>
+              <a:t>관련</a:t>
+            </a:r>
+            <a:r>
+              <a:rPr lang="en-US" altLang="ko-KR" dirty="0">
+                <a:solidFill>
+                  <a:sysClr val="windowText" lastClr="000000"/>
+                </a:solidFill>
+              </a:rPr>
+              <a:t>)</a:t>
+            </a:r>
+          </a:p>
+        </p:txBody>
+      </p:sp>
+      <p:sp>
+        <p:nvSpPr>
+          <p:cNvPr id="3" name="직사각형 2">
+            <a:extLst>
+              <a:ext uri="{FF2B5EF4-FFF2-40B4-BE49-F238E27FC236}">
+                <a16:creationId xmlns:a16="http://schemas.microsoft.com/office/drawing/2014/main" id="{0E8AC652-13AC-53A4-B27F-291B1070B5F6}"/>
+              </a:ext>
+            </a:extLst>
+          </p:cNvPr>
+          <p:cNvSpPr/>
+          <p:nvPr/>
+        </p:nvSpPr>
+        <p:spPr>
+          <a:xfrm>
+            <a:off x="3234784" y="748269"/>
+            <a:ext cx="1616364" cy="766617"/>
+          </a:xfrm>
+          <a:prstGeom prst="rect">
+            <a:avLst/>
+          </a:prstGeom>
+          <a:solidFill>
+            <a:schemeClr val="bg1"/>
+          </a:solidFill>
+          <a:ln>
+            <a:solidFill>
+              <a:schemeClr val="tx1"/>
+            </a:solidFill>
+          </a:ln>
+        </p:spPr>
+        <p:style>
+          <a:lnRef idx="2">
+            <a:schemeClr val="accent1">
+              <a:shade val="15000"/>
+            </a:schemeClr>
+          </a:lnRef>
+          <a:fillRef idx="1">
+            <a:schemeClr val="accent1"/>
+          </a:fillRef>
+          <a:effectRef idx="0">
+            <a:schemeClr val="accent1"/>
+          </a:effectRef>
+          <a:fontRef idx="minor">
+            <a:schemeClr val="lt1"/>
+          </a:fontRef>
+        </p:style>
+        <p:txBody>
+          <a:bodyPr rtlCol="0" anchor="ctr"/>
+          <a:lstStyle/>
+          <a:p>
+            <a:pPr algn="ctr"/>
+            <a:r>
+              <a:rPr lang="en-US" altLang="ko-KR" sz="1400" dirty="0">
+                <a:solidFill>
+                  <a:sysClr val="windowText" lastClr="000000"/>
+                </a:solidFill>
+              </a:rPr>
+              <a:t> A. </a:t>
+            </a:r>
+            <a:r>
+              <a:rPr lang="ko-KR" altLang="en-US" sz="1400" dirty="0">
+                <a:solidFill>
+                  <a:sysClr val="windowText" lastClr="000000"/>
+                </a:solidFill>
+              </a:rPr>
+              <a:t>데이터 저장 공간 제작</a:t>
+            </a:r>
+            <a:endParaRPr lang="en-US" altLang="ko-KR" sz="1400" dirty="0">
+              <a:solidFill>
+                <a:sysClr val="windowText" lastClr="000000"/>
+              </a:solidFill>
+            </a:endParaRPr>
+          </a:p>
+        </p:txBody>
+      </p:sp>
+      <p:sp>
+        <p:nvSpPr>
+          <p:cNvPr id="5" name="직사각형 4">
+            <a:extLst>
+              <a:ext uri="{FF2B5EF4-FFF2-40B4-BE49-F238E27FC236}">
+                <a16:creationId xmlns:a16="http://schemas.microsoft.com/office/drawing/2014/main" id="{8F64854C-E0B1-7310-7B57-6089292FFF4F}"/>
+              </a:ext>
+            </a:extLst>
+          </p:cNvPr>
+          <p:cNvSpPr/>
+          <p:nvPr/>
+        </p:nvSpPr>
+        <p:spPr>
+          <a:xfrm>
+            <a:off x="5058964" y="748269"/>
+            <a:ext cx="1616364" cy="766617"/>
+          </a:xfrm>
+          <a:prstGeom prst="rect">
+            <a:avLst/>
+          </a:prstGeom>
+          <a:solidFill>
+            <a:schemeClr val="bg1"/>
+          </a:solidFill>
+          <a:ln>
+            <a:solidFill>
+              <a:schemeClr val="tx1"/>
+            </a:solidFill>
+          </a:ln>
+        </p:spPr>
+        <p:style>
+          <a:lnRef idx="2">
+            <a:schemeClr val="accent1">
+              <a:shade val="15000"/>
+            </a:schemeClr>
+          </a:lnRef>
+          <a:fillRef idx="1">
+            <a:schemeClr val="accent1"/>
+          </a:fillRef>
+          <a:effectRef idx="0">
+            <a:schemeClr val="accent1"/>
+          </a:effectRef>
+          <a:fontRef idx="minor">
+            <a:schemeClr val="lt1"/>
+          </a:fontRef>
+        </p:style>
+        <p:txBody>
+          <a:bodyPr rtlCol="0" anchor="ctr"/>
+          <a:lstStyle/>
+          <a:p>
+            <a:pPr algn="ctr"/>
+            <a:r>
+              <a:rPr lang="en-US" altLang="ko-KR" sz="1400" dirty="0">
+                <a:solidFill>
+                  <a:sysClr val="windowText" lastClr="000000"/>
+                </a:solidFill>
+              </a:rPr>
+              <a:t>B. </a:t>
+            </a:r>
+            <a:r>
+              <a:rPr lang="ko-KR" altLang="en-US" sz="1400" dirty="0">
+                <a:solidFill>
+                  <a:sysClr val="windowText" lastClr="000000"/>
+                </a:solidFill>
+              </a:rPr>
+              <a:t>저장 공간 내 데이터 접근</a:t>
+            </a:r>
+            <a:endParaRPr lang="en-US" altLang="ko-KR" dirty="0">
+              <a:solidFill>
+                <a:sysClr val="windowText" lastClr="000000"/>
+              </a:solidFill>
+            </a:endParaRPr>
+          </a:p>
+        </p:txBody>
+      </p:sp>
+      <p:sp>
+        <p:nvSpPr>
+          <p:cNvPr id="6" name="직사각형 5">
+            <a:extLst>
+              <a:ext uri="{FF2B5EF4-FFF2-40B4-BE49-F238E27FC236}">
+                <a16:creationId xmlns:a16="http://schemas.microsoft.com/office/drawing/2014/main" id="{B2518A99-15F4-96D1-1D41-57D6FD31B47B}"/>
+              </a:ext>
+            </a:extLst>
+          </p:cNvPr>
+          <p:cNvSpPr/>
+          <p:nvPr/>
+        </p:nvSpPr>
+        <p:spPr>
+          <a:xfrm>
+            <a:off x="6883144" y="748269"/>
+            <a:ext cx="1616364" cy="766617"/>
+          </a:xfrm>
+          <a:prstGeom prst="rect">
+            <a:avLst/>
+          </a:prstGeom>
+          <a:solidFill>
+            <a:schemeClr val="bg1"/>
+          </a:solidFill>
+          <a:ln>
+            <a:solidFill>
+              <a:schemeClr val="tx1"/>
+            </a:solidFill>
+          </a:ln>
+        </p:spPr>
+        <p:style>
+          <a:lnRef idx="2">
+            <a:schemeClr val="accent1">
+              <a:shade val="15000"/>
+            </a:schemeClr>
+          </a:lnRef>
+          <a:fillRef idx="1">
+            <a:schemeClr val="accent1"/>
+          </a:fillRef>
+          <a:effectRef idx="0">
+            <a:schemeClr val="accent1"/>
+          </a:effectRef>
+          <a:fontRef idx="minor">
+            <a:schemeClr val="lt1"/>
+          </a:fontRef>
+        </p:style>
+        <p:txBody>
+          <a:bodyPr rtlCol="0" anchor="ctr"/>
+          <a:lstStyle/>
+          <a:p>
+            <a:pPr algn="ctr"/>
+            <a:r>
+              <a:rPr lang="en-US" altLang="ko-KR" sz="1400" dirty="0">
+                <a:solidFill>
+                  <a:sysClr val="windowText" lastClr="000000"/>
+                </a:solidFill>
+              </a:rPr>
+              <a:t>C. </a:t>
+            </a:r>
+            <a:r>
+              <a:rPr lang="ko-KR" altLang="en-US" sz="1400" dirty="0">
+                <a:solidFill>
+                  <a:sysClr val="windowText" lastClr="000000"/>
+                </a:solidFill>
+              </a:rPr>
+              <a:t>저장 공간 내 데이터 변화</a:t>
+            </a:r>
+            <a:endParaRPr lang="en-US" altLang="ko-KR" dirty="0">
+              <a:solidFill>
+                <a:sysClr val="windowText" lastClr="000000"/>
+              </a:solidFill>
+            </a:endParaRPr>
+          </a:p>
+        </p:txBody>
+      </p:sp>
+      <p:cxnSp>
+        <p:nvCxnSpPr>
+          <p:cNvPr id="9" name="직선 화살표 연결선 8">
+            <a:extLst>
+              <a:ext uri="{FF2B5EF4-FFF2-40B4-BE49-F238E27FC236}">
+                <a16:creationId xmlns:a16="http://schemas.microsoft.com/office/drawing/2014/main" id="{D1BA925B-6030-321C-E8C5-650935904D35}"/>
+              </a:ext>
+            </a:extLst>
+          </p:cNvPr>
+          <p:cNvCxnSpPr>
+            <a:cxnSpLocks/>
+            <a:stCxn id="7" idx="2"/>
+            <a:endCxn id="25" idx="0"/>
+          </p:cNvCxnSpPr>
+          <p:nvPr/>
+        </p:nvCxnSpPr>
+        <p:spPr>
+          <a:xfrm>
+            <a:off x="5867146" y="2124487"/>
+            <a:ext cx="0" cy="554392"/>
+          </a:xfrm>
+          <a:prstGeom prst="straightConnector1">
+            <a:avLst/>
+          </a:prstGeom>
+          <a:ln>
+            <a:solidFill>
+              <a:schemeClr val="tx1"/>
+            </a:solidFill>
+            <a:tailEnd type="triangle"/>
+          </a:ln>
+        </p:spPr>
+        <p:style>
+          <a:lnRef idx="2">
+            <a:schemeClr val="accent1"/>
+          </a:lnRef>
+          <a:fillRef idx="0">
+            <a:schemeClr val="accent1"/>
+          </a:fillRef>
+          <a:effectRef idx="1">
+            <a:schemeClr val="accent1"/>
+          </a:effectRef>
+          <a:fontRef idx="minor">
+            <a:schemeClr val="tx1"/>
+          </a:fontRef>
+        </p:style>
+      </p:cxnSp>
+      <p:sp>
+        <p:nvSpPr>
+          <p:cNvPr id="13" name="직사각형 12">
+            <a:extLst>
+              <a:ext uri="{FF2B5EF4-FFF2-40B4-BE49-F238E27FC236}">
+                <a16:creationId xmlns:a16="http://schemas.microsoft.com/office/drawing/2014/main" id="{E257066D-5D07-92CC-9599-235D54E9FE0A}"/>
+              </a:ext>
+            </a:extLst>
+          </p:cNvPr>
+          <p:cNvSpPr/>
+          <p:nvPr/>
+        </p:nvSpPr>
+        <p:spPr>
+          <a:xfrm>
+            <a:off x="4004610" y="3048332"/>
+            <a:ext cx="1616364" cy="766617"/>
+          </a:xfrm>
+          <a:prstGeom prst="rect">
+            <a:avLst/>
+          </a:prstGeom>
+          <a:solidFill>
+            <a:schemeClr val="bg1"/>
+          </a:solidFill>
+          <a:ln>
+            <a:solidFill>
+              <a:schemeClr val="tx1"/>
+            </a:solidFill>
+          </a:ln>
+        </p:spPr>
+        <p:style>
+          <a:lnRef idx="2">
+            <a:schemeClr val="accent1">
+              <a:shade val="15000"/>
+            </a:schemeClr>
+          </a:lnRef>
+          <a:fillRef idx="1">
+            <a:schemeClr val="accent1"/>
+          </a:fillRef>
+          <a:effectRef idx="0">
+            <a:schemeClr val="accent1"/>
+          </a:effectRef>
+          <a:fontRef idx="minor">
+            <a:schemeClr val="lt1"/>
+          </a:fontRef>
+        </p:style>
+        <p:txBody>
+          <a:bodyPr rtlCol="0" anchor="ctr"/>
+          <a:lstStyle/>
+          <a:p>
+            <a:pPr algn="ctr"/>
+            <a:r>
+              <a:rPr lang="en-US" altLang="ko-KR" sz="1400" dirty="0">
+                <a:solidFill>
+                  <a:sysClr val="windowText" lastClr="000000"/>
+                </a:solidFill>
+              </a:rPr>
+              <a:t>A. </a:t>
+            </a:r>
+            <a:r>
+              <a:rPr lang="ko-KR" altLang="en-US" sz="1400" dirty="0">
+                <a:solidFill>
+                  <a:sysClr val="windowText" lastClr="000000"/>
+                </a:solidFill>
+              </a:rPr>
+              <a:t>저장 공간 내 데이터 기반 수치 계산 </a:t>
+            </a:r>
+            <a:endParaRPr lang="en-US" altLang="ko-KR" dirty="0">
+              <a:solidFill>
+                <a:sysClr val="windowText" lastClr="000000"/>
+              </a:solidFill>
+            </a:endParaRPr>
+          </a:p>
+        </p:txBody>
+      </p:sp>
+      <p:cxnSp>
+        <p:nvCxnSpPr>
+          <p:cNvPr id="15" name="직선 화살표 연결선 14">
+            <a:extLst>
+              <a:ext uri="{FF2B5EF4-FFF2-40B4-BE49-F238E27FC236}">
+                <a16:creationId xmlns:a16="http://schemas.microsoft.com/office/drawing/2014/main" id="{361CB149-F9FA-3DBC-4A00-3504E3EF506A}"/>
+              </a:ext>
+            </a:extLst>
+          </p:cNvPr>
+          <p:cNvCxnSpPr>
+            <a:cxnSpLocks/>
+            <a:stCxn id="13" idx="3"/>
+            <a:endCxn id="18" idx="1"/>
+          </p:cNvCxnSpPr>
+          <p:nvPr/>
+        </p:nvCxnSpPr>
+        <p:spPr>
+          <a:xfrm flipV="1">
+            <a:off x="5620974" y="3431640"/>
+            <a:ext cx="492344" cy="1"/>
+          </a:xfrm>
+          <a:prstGeom prst="straightConnector1">
+            <a:avLst/>
+          </a:prstGeom>
+          <a:ln>
+            <a:solidFill>
+              <a:schemeClr val="tx1"/>
+            </a:solidFill>
+            <a:tailEnd type="triangle"/>
+          </a:ln>
+        </p:spPr>
+        <p:style>
+          <a:lnRef idx="2">
+            <a:schemeClr val="accent1"/>
+          </a:lnRef>
+          <a:fillRef idx="0">
+            <a:schemeClr val="accent1"/>
+          </a:fillRef>
+          <a:effectRef idx="1">
+            <a:schemeClr val="accent1"/>
+          </a:effectRef>
+          <a:fontRef idx="minor">
+            <a:schemeClr val="tx1"/>
+          </a:fontRef>
+        </p:style>
+      </p:cxnSp>
+      <p:sp>
+        <p:nvSpPr>
+          <p:cNvPr id="18" name="직사각형 17">
+            <a:extLst>
+              <a:ext uri="{FF2B5EF4-FFF2-40B4-BE49-F238E27FC236}">
+                <a16:creationId xmlns:a16="http://schemas.microsoft.com/office/drawing/2014/main" id="{0974EC15-7A96-F9BA-B9F1-538FA5F207B7}"/>
+              </a:ext>
+            </a:extLst>
+          </p:cNvPr>
+          <p:cNvSpPr/>
+          <p:nvPr/>
+        </p:nvSpPr>
+        <p:spPr>
+          <a:xfrm>
+            <a:off x="6113318" y="3048331"/>
+            <a:ext cx="1616364" cy="766617"/>
+          </a:xfrm>
+          <a:prstGeom prst="rect">
+            <a:avLst/>
+          </a:prstGeom>
+          <a:solidFill>
+            <a:schemeClr val="bg1"/>
+          </a:solidFill>
+          <a:ln>
+            <a:solidFill>
+              <a:schemeClr val="tx1"/>
+            </a:solidFill>
+          </a:ln>
+        </p:spPr>
+        <p:style>
+          <a:lnRef idx="2">
+            <a:schemeClr val="accent1">
+              <a:shade val="15000"/>
+            </a:schemeClr>
+          </a:lnRef>
+          <a:fillRef idx="1">
+            <a:schemeClr val="accent1"/>
+          </a:fillRef>
+          <a:effectRef idx="0">
+            <a:schemeClr val="accent1"/>
+          </a:effectRef>
+          <a:fontRef idx="minor">
+            <a:schemeClr val="lt1"/>
+          </a:fontRef>
+        </p:style>
+        <p:txBody>
+          <a:bodyPr rtlCol="0" anchor="ctr"/>
+          <a:lstStyle/>
+          <a:p>
+            <a:pPr algn="ctr"/>
+            <a:r>
+              <a:rPr lang="en-US" altLang="ko-KR" sz="1400" dirty="0">
+                <a:solidFill>
+                  <a:sysClr val="windowText" lastClr="000000"/>
+                </a:solidFill>
+              </a:rPr>
+              <a:t>B. </a:t>
+            </a:r>
+            <a:r>
+              <a:rPr lang="ko-KR" altLang="en-US" sz="1400" dirty="0">
+                <a:solidFill>
+                  <a:sysClr val="windowText" lastClr="000000"/>
+                </a:solidFill>
+              </a:rPr>
+              <a:t>계산된 수치의 성장 반영</a:t>
+            </a:r>
+            <a:endParaRPr lang="en-US" altLang="ko-KR" dirty="0">
+              <a:solidFill>
+                <a:sysClr val="windowText" lastClr="000000"/>
+              </a:solidFill>
+            </a:endParaRPr>
+          </a:p>
+        </p:txBody>
+      </p:sp>
+      <p:cxnSp>
+        <p:nvCxnSpPr>
+          <p:cNvPr id="34" name="직선 화살표 연결선 33">
+            <a:extLst>
+              <a:ext uri="{FF2B5EF4-FFF2-40B4-BE49-F238E27FC236}">
+                <a16:creationId xmlns:a16="http://schemas.microsoft.com/office/drawing/2014/main" id="{A8DD018B-42A8-0069-ABF1-AD77AD4AAEC8}"/>
+              </a:ext>
+            </a:extLst>
+          </p:cNvPr>
+          <p:cNvCxnSpPr>
+            <a:cxnSpLocks/>
+            <a:stCxn id="3" idx="3"/>
+            <a:endCxn id="5" idx="1"/>
+          </p:cNvCxnSpPr>
+          <p:nvPr/>
+        </p:nvCxnSpPr>
+        <p:spPr>
+          <a:xfrm>
+            <a:off x="4851148" y="1131578"/>
+            <a:ext cx="207816" cy="0"/>
+          </a:xfrm>
+          <a:prstGeom prst="straightConnector1">
+            <a:avLst/>
+          </a:prstGeom>
+          <a:ln>
+            <a:solidFill>
+              <a:schemeClr val="tx1"/>
+            </a:solidFill>
+            <a:tailEnd type="triangle"/>
+          </a:ln>
+        </p:spPr>
+        <p:style>
+          <a:lnRef idx="2">
+            <a:schemeClr val="accent1"/>
+          </a:lnRef>
+          <a:fillRef idx="0">
+            <a:schemeClr val="accent1"/>
+          </a:fillRef>
+          <a:effectRef idx="1">
+            <a:schemeClr val="accent1"/>
+          </a:effectRef>
+          <a:fontRef idx="minor">
+            <a:schemeClr val="tx1"/>
+          </a:fontRef>
+        </p:style>
+      </p:cxnSp>
+      <p:cxnSp>
+        <p:nvCxnSpPr>
+          <p:cNvPr id="37" name="직선 화살표 연결선 36">
+            <a:extLst>
+              <a:ext uri="{FF2B5EF4-FFF2-40B4-BE49-F238E27FC236}">
+                <a16:creationId xmlns:a16="http://schemas.microsoft.com/office/drawing/2014/main" id="{740EF325-E519-2B6F-A376-F8A4B58769D0}"/>
+              </a:ext>
+            </a:extLst>
+          </p:cNvPr>
+          <p:cNvCxnSpPr>
+            <a:cxnSpLocks/>
+          </p:cNvCxnSpPr>
+          <p:nvPr/>
+        </p:nvCxnSpPr>
+        <p:spPr>
+          <a:xfrm>
+            <a:off x="6675328" y="1131575"/>
+            <a:ext cx="207816" cy="0"/>
+          </a:xfrm>
+          <a:prstGeom prst="straightConnector1">
+            <a:avLst/>
+          </a:prstGeom>
+          <a:ln>
+            <a:solidFill>
+              <a:schemeClr val="tx1"/>
+            </a:solidFill>
+            <a:tailEnd type="triangle"/>
+          </a:ln>
+        </p:spPr>
+        <p:style>
+          <a:lnRef idx="2">
+            <a:schemeClr val="accent1"/>
+          </a:lnRef>
+          <a:fillRef idx="0">
+            <a:schemeClr val="accent1"/>
+          </a:fillRef>
+          <a:effectRef idx="1">
+            <a:schemeClr val="accent1"/>
+          </a:effectRef>
+          <a:fontRef idx="minor">
+            <a:schemeClr val="tx1"/>
+          </a:fontRef>
+        </p:style>
+      </p:cxnSp>
+      <p:sp>
+        <p:nvSpPr>
+          <p:cNvPr id="39" name="직사각형 38">
+            <a:extLst>
+              <a:ext uri="{FF2B5EF4-FFF2-40B4-BE49-F238E27FC236}">
+                <a16:creationId xmlns:a16="http://schemas.microsoft.com/office/drawing/2014/main" id="{7C764F30-4BFB-F55B-6DEA-B615BB2DFA06}"/>
+              </a:ext>
+            </a:extLst>
+          </p:cNvPr>
+          <p:cNvSpPr/>
+          <p:nvPr/>
+        </p:nvSpPr>
+        <p:spPr>
+          <a:xfrm>
+            <a:off x="2986556" y="4978944"/>
+            <a:ext cx="5761180" cy="1745672"/>
+          </a:xfrm>
+          <a:prstGeom prst="rect">
+            <a:avLst/>
+          </a:prstGeom>
+          <a:solidFill>
+            <a:schemeClr val="bg1"/>
+          </a:solidFill>
+          <a:ln>
+            <a:solidFill>
+              <a:schemeClr val="tx1"/>
+            </a:solidFill>
+          </a:ln>
+        </p:spPr>
+        <p:style>
+          <a:lnRef idx="2">
+            <a:schemeClr val="accent1">
+              <a:shade val="15000"/>
+            </a:schemeClr>
+          </a:lnRef>
+          <a:fillRef idx="1">
+            <a:schemeClr val="accent1"/>
+          </a:fillRef>
+          <a:effectRef idx="0">
+            <a:schemeClr val="accent1"/>
+          </a:effectRef>
+          <a:fontRef idx="minor">
+            <a:schemeClr val="lt1"/>
+          </a:fontRef>
+        </p:style>
+        <p:txBody>
+          <a:bodyPr rtlCol="0" anchor="ctr"/>
+          <a:lstStyle/>
+          <a:p>
+            <a:pPr algn="ctr"/>
+            <a:endParaRPr lang="en-US" altLang="ko-KR" dirty="0">
+              <a:solidFill>
+                <a:sysClr val="windowText" lastClr="000000"/>
+              </a:solidFill>
+            </a:endParaRPr>
+          </a:p>
+          <a:p>
+            <a:pPr algn="ctr"/>
+            <a:endParaRPr lang="en-US" altLang="ko-KR" dirty="0">
+              <a:solidFill>
+                <a:sysClr val="windowText" lastClr="000000"/>
+              </a:solidFill>
+            </a:endParaRPr>
+          </a:p>
+          <a:p>
+            <a:pPr algn="ctr"/>
+            <a:endParaRPr lang="en-US" altLang="ko-KR" dirty="0">
+              <a:solidFill>
+                <a:sysClr val="windowText" lastClr="000000"/>
+              </a:solidFill>
+            </a:endParaRPr>
+          </a:p>
+          <a:p>
+            <a:pPr algn="ctr"/>
+            <a:endParaRPr lang="en-US" altLang="ko-KR" dirty="0">
+              <a:solidFill>
+                <a:sysClr val="windowText" lastClr="000000"/>
+              </a:solidFill>
+            </a:endParaRPr>
+          </a:p>
+          <a:p>
+            <a:pPr algn="ctr"/>
+            <a:r>
+              <a:rPr lang="en-US" altLang="ko-KR" dirty="0">
+                <a:solidFill>
+                  <a:sysClr val="windowText" lastClr="000000"/>
+                </a:solidFill>
+              </a:rPr>
+              <a:t>3. </a:t>
+            </a:r>
+            <a:r>
+              <a:rPr lang="ko-KR" altLang="en-US" dirty="0">
+                <a:solidFill>
+                  <a:sysClr val="windowText" lastClr="000000"/>
+                </a:solidFill>
+              </a:rPr>
+              <a:t>확률 및 운 결정 시스템</a:t>
+            </a:r>
+            <a:r>
+              <a:rPr lang="en-US" altLang="ko-KR" dirty="0">
+                <a:solidFill>
+                  <a:sysClr val="windowText" lastClr="000000"/>
+                </a:solidFill>
+              </a:rPr>
+              <a:t>(</a:t>
+            </a:r>
+            <a:r>
+              <a:rPr lang="en-US" altLang="ko-KR" dirty="0" err="1">
+                <a:solidFill>
+                  <a:sysClr val="windowText" lastClr="000000"/>
+                </a:solidFill>
+              </a:rPr>
+              <a:t>GetKarma</a:t>
+            </a:r>
+            <a:r>
+              <a:rPr lang="en-US" altLang="ko-KR" dirty="0">
+                <a:solidFill>
+                  <a:sysClr val="windowText" lastClr="000000"/>
+                </a:solidFill>
+              </a:rPr>
+              <a:t> </a:t>
+            </a:r>
+            <a:r>
+              <a:rPr lang="ko-KR" altLang="en-US" dirty="0">
+                <a:solidFill>
+                  <a:sysClr val="windowText" lastClr="000000"/>
+                </a:solidFill>
+              </a:rPr>
+              <a:t>관련</a:t>
+            </a:r>
+            <a:r>
+              <a:rPr lang="en-US" altLang="ko-KR" dirty="0">
+                <a:solidFill>
+                  <a:sysClr val="windowText" lastClr="000000"/>
+                </a:solidFill>
+              </a:rPr>
+              <a:t>)</a:t>
+            </a:r>
+          </a:p>
+        </p:txBody>
+      </p:sp>
+      <p:sp>
+        <p:nvSpPr>
+          <p:cNvPr id="40" name="직사각형 39">
+            <a:extLst>
+              <a:ext uri="{FF2B5EF4-FFF2-40B4-BE49-F238E27FC236}">
+                <a16:creationId xmlns:a16="http://schemas.microsoft.com/office/drawing/2014/main" id="{7FB1AF6E-782C-1946-497E-49120918EE41}"/>
+              </a:ext>
+            </a:extLst>
+          </p:cNvPr>
+          <p:cNvSpPr/>
+          <p:nvPr/>
+        </p:nvSpPr>
+        <p:spPr>
+          <a:xfrm>
+            <a:off x="3234784" y="5358174"/>
+            <a:ext cx="1616364" cy="766617"/>
+          </a:xfrm>
+          <a:prstGeom prst="rect">
+            <a:avLst/>
+          </a:prstGeom>
+          <a:solidFill>
+            <a:schemeClr val="bg1"/>
+          </a:solidFill>
+          <a:ln>
+            <a:solidFill>
+              <a:schemeClr val="tx1"/>
+            </a:solidFill>
+          </a:ln>
+        </p:spPr>
+        <p:style>
+          <a:lnRef idx="2">
+            <a:schemeClr val="accent1">
+              <a:shade val="15000"/>
+            </a:schemeClr>
+          </a:lnRef>
+          <a:fillRef idx="1">
+            <a:schemeClr val="accent1"/>
+          </a:fillRef>
+          <a:effectRef idx="0">
+            <a:schemeClr val="accent1"/>
+          </a:effectRef>
+          <a:fontRef idx="minor">
+            <a:schemeClr val="lt1"/>
+          </a:fontRef>
+        </p:style>
+        <p:txBody>
+          <a:bodyPr rtlCol="0" anchor="ctr"/>
+          <a:lstStyle/>
+          <a:p>
+            <a:pPr algn="ctr"/>
+            <a:r>
+              <a:rPr lang="en-US" altLang="ko-KR" sz="1400" dirty="0">
+                <a:solidFill>
+                  <a:sysClr val="windowText" lastClr="000000"/>
+                </a:solidFill>
+              </a:rPr>
+              <a:t>A. </a:t>
+            </a:r>
+            <a:r>
+              <a:rPr lang="ko-KR" altLang="en-US" sz="1400" dirty="0">
+                <a:solidFill>
+                  <a:sysClr val="windowText" lastClr="000000"/>
+                </a:solidFill>
+              </a:rPr>
+              <a:t>확률에 따른 통과 여부 반환</a:t>
+            </a:r>
+            <a:endParaRPr lang="en-US" altLang="ko-KR" dirty="0">
+              <a:solidFill>
+                <a:sysClr val="windowText" lastClr="000000"/>
+              </a:solidFill>
+            </a:endParaRPr>
+          </a:p>
+        </p:txBody>
+      </p:sp>
+      <p:cxnSp>
+        <p:nvCxnSpPr>
+          <p:cNvPr id="41" name="직선 화살표 연결선 40">
+            <a:extLst>
+              <a:ext uri="{FF2B5EF4-FFF2-40B4-BE49-F238E27FC236}">
+                <a16:creationId xmlns:a16="http://schemas.microsoft.com/office/drawing/2014/main" id="{CA54E889-B323-E63E-E661-48B60C2C8DD7}"/>
+              </a:ext>
+            </a:extLst>
+          </p:cNvPr>
+          <p:cNvCxnSpPr>
+            <a:cxnSpLocks/>
+            <a:stCxn id="40" idx="3"/>
+            <a:endCxn id="42" idx="1"/>
+          </p:cNvCxnSpPr>
+          <p:nvPr/>
+        </p:nvCxnSpPr>
+        <p:spPr>
+          <a:xfrm flipV="1">
+            <a:off x="4851148" y="5741482"/>
+            <a:ext cx="207816" cy="1"/>
+          </a:xfrm>
+          <a:prstGeom prst="straightConnector1">
+            <a:avLst/>
+          </a:prstGeom>
+          <a:ln>
+            <a:solidFill>
+              <a:schemeClr val="tx1"/>
+            </a:solidFill>
+            <a:tailEnd type="triangle"/>
+          </a:ln>
+        </p:spPr>
+        <p:style>
+          <a:lnRef idx="2">
+            <a:schemeClr val="accent1"/>
+          </a:lnRef>
+          <a:fillRef idx="0">
+            <a:schemeClr val="accent1"/>
+          </a:fillRef>
+          <a:effectRef idx="1">
+            <a:schemeClr val="accent1"/>
+          </a:effectRef>
+          <a:fontRef idx="minor">
+            <a:schemeClr val="tx1"/>
+          </a:fontRef>
+        </p:style>
+      </p:cxnSp>
+      <p:sp>
+        <p:nvSpPr>
+          <p:cNvPr id="42" name="직사각형 41">
+            <a:extLst>
+              <a:ext uri="{FF2B5EF4-FFF2-40B4-BE49-F238E27FC236}">
+                <a16:creationId xmlns:a16="http://schemas.microsoft.com/office/drawing/2014/main" id="{591F90A1-C567-0132-E59E-4388E9E704CF}"/>
+              </a:ext>
+            </a:extLst>
+          </p:cNvPr>
+          <p:cNvSpPr/>
+          <p:nvPr/>
+        </p:nvSpPr>
+        <p:spPr>
+          <a:xfrm>
+            <a:off x="5058964" y="5358173"/>
+            <a:ext cx="1616364" cy="766617"/>
+          </a:xfrm>
+          <a:prstGeom prst="rect">
+            <a:avLst/>
+          </a:prstGeom>
+          <a:solidFill>
+            <a:schemeClr val="bg1"/>
+          </a:solidFill>
+          <a:ln>
+            <a:solidFill>
+              <a:schemeClr val="tx1"/>
+            </a:solidFill>
+          </a:ln>
+        </p:spPr>
+        <p:style>
+          <a:lnRef idx="2">
+            <a:schemeClr val="accent1">
+              <a:shade val="15000"/>
+            </a:schemeClr>
+          </a:lnRef>
+          <a:fillRef idx="1">
+            <a:schemeClr val="accent1"/>
+          </a:fillRef>
+          <a:effectRef idx="0">
+            <a:schemeClr val="accent1"/>
+          </a:effectRef>
+          <a:fontRef idx="minor">
+            <a:schemeClr val="lt1"/>
+          </a:fontRef>
+        </p:style>
+        <p:txBody>
+          <a:bodyPr rtlCol="0" anchor="ctr"/>
+          <a:lstStyle/>
+          <a:p>
+            <a:pPr algn="ctr"/>
+            <a:r>
+              <a:rPr lang="en-US" altLang="ko-KR" sz="1400" dirty="0">
+                <a:solidFill>
+                  <a:sysClr val="windowText" lastClr="000000"/>
+                </a:solidFill>
+              </a:rPr>
+              <a:t>B. </a:t>
+            </a:r>
+            <a:r>
+              <a:rPr lang="ko-KR" altLang="en-US" sz="1400" dirty="0">
+                <a:solidFill>
+                  <a:sysClr val="windowText" lastClr="000000"/>
+                </a:solidFill>
+              </a:rPr>
+              <a:t>저장 공간 내 데이터 기반 확률 반환</a:t>
+            </a:r>
+            <a:endParaRPr lang="en-US" altLang="ko-KR" dirty="0">
+              <a:solidFill>
+                <a:sysClr val="windowText" lastClr="000000"/>
+              </a:solidFill>
+            </a:endParaRPr>
+          </a:p>
+        </p:txBody>
+      </p:sp>
+      <p:cxnSp>
+        <p:nvCxnSpPr>
+          <p:cNvPr id="54" name="직선 화살표 연결선 53">
+            <a:extLst>
+              <a:ext uri="{FF2B5EF4-FFF2-40B4-BE49-F238E27FC236}">
+                <a16:creationId xmlns:a16="http://schemas.microsoft.com/office/drawing/2014/main" id="{B8ABC5DD-381C-C8BB-BA15-55C7B3F474D1}"/>
+              </a:ext>
+            </a:extLst>
+          </p:cNvPr>
+          <p:cNvCxnSpPr>
+            <a:cxnSpLocks/>
+            <a:stCxn id="25" idx="2"/>
+            <a:endCxn id="39" idx="0"/>
+          </p:cNvCxnSpPr>
+          <p:nvPr/>
+        </p:nvCxnSpPr>
+        <p:spPr>
+          <a:xfrm>
+            <a:off x="5867146" y="4424551"/>
+            <a:ext cx="0" cy="554393"/>
+          </a:xfrm>
+          <a:prstGeom prst="straightConnector1">
+            <a:avLst/>
+          </a:prstGeom>
+          <a:ln>
+            <a:solidFill>
+              <a:schemeClr val="tx1"/>
+            </a:solidFill>
+            <a:tailEnd type="triangle"/>
+          </a:ln>
+        </p:spPr>
+        <p:style>
+          <a:lnRef idx="2">
+            <a:schemeClr val="accent1"/>
+          </a:lnRef>
+          <a:fillRef idx="0">
+            <a:schemeClr val="accent1"/>
+          </a:fillRef>
+          <a:effectRef idx="1">
+            <a:schemeClr val="accent1"/>
+          </a:effectRef>
+          <a:fontRef idx="minor">
+            <a:schemeClr val="tx1"/>
+          </a:fontRef>
+        </p:style>
+      </p:cxnSp>
+      <p:sp>
+        <p:nvSpPr>
+          <p:cNvPr id="60" name="직사각형 59">
+            <a:extLst>
+              <a:ext uri="{FF2B5EF4-FFF2-40B4-BE49-F238E27FC236}">
+                <a16:creationId xmlns:a16="http://schemas.microsoft.com/office/drawing/2014/main" id="{A2119486-41BB-65A8-6A89-9933C81224E6}"/>
+              </a:ext>
+            </a:extLst>
+          </p:cNvPr>
+          <p:cNvSpPr/>
+          <p:nvPr/>
+        </p:nvSpPr>
+        <p:spPr>
+          <a:xfrm>
+            <a:off x="9342274" y="2282620"/>
+            <a:ext cx="7491306" cy="1916854"/>
+          </a:xfrm>
+          <a:prstGeom prst="rect">
+            <a:avLst/>
+          </a:prstGeom>
+          <a:solidFill>
+            <a:schemeClr val="bg1"/>
+          </a:solidFill>
+          <a:ln>
+            <a:solidFill>
+              <a:schemeClr val="tx1"/>
+            </a:solidFill>
+          </a:ln>
+        </p:spPr>
+        <p:style>
+          <a:lnRef idx="2">
+            <a:schemeClr val="accent1">
+              <a:shade val="15000"/>
+            </a:schemeClr>
+          </a:lnRef>
+          <a:fillRef idx="1">
+            <a:schemeClr val="accent1"/>
+          </a:fillRef>
+          <a:effectRef idx="0">
+            <a:schemeClr val="accent1"/>
+          </a:effectRef>
+          <a:fontRef idx="minor">
+            <a:schemeClr val="lt1"/>
+          </a:fontRef>
+        </p:style>
+        <p:txBody>
+          <a:bodyPr rtlCol="0" anchor="ctr"/>
+          <a:lstStyle/>
+          <a:p>
+            <a:endParaRPr lang="en-US" altLang="ko-KR" dirty="0">
+              <a:solidFill>
+                <a:schemeClr val="tx1"/>
+              </a:solidFill>
+            </a:endParaRPr>
+          </a:p>
+          <a:p>
+            <a:endParaRPr lang="en-US" altLang="ko-KR" dirty="0">
+              <a:solidFill>
+                <a:schemeClr val="tx1"/>
+              </a:solidFill>
+            </a:endParaRPr>
+          </a:p>
+          <a:p>
+            <a:endParaRPr lang="en-US" altLang="ko-KR" dirty="0">
+              <a:solidFill>
+                <a:schemeClr val="tx1"/>
+              </a:solidFill>
+            </a:endParaRPr>
+          </a:p>
+          <a:p>
+            <a:r>
+              <a:rPr lang="en-US" altLang="ko-KR" dirty="0" err="1">
+                <a:solidFill>
+                  <a:schemeClr val="tx1"/>
+                </a:solidFill>
+              </a:rPr>
+              <a:t>GetKarma</a:t>
+            </a:r>
+            <a:endParaRPr lang="en-US" altLang="ko-KR" dirty="0">
+              <a:solidFill>
+                <a:schemeClr val="tx1"/>
+              </a:solidFill>
+            </a:endParaRPr>
+          </a:p>
+        </p:txBody>
+      </p:sp>
+      <p:sp>
+        <p:nvSpPr>
+          <p:cNvPr id="61" name="직사각형 60">
+            <a:extLst>
+              <a:ext uri="{FF2B5EF4-FFF2-40B4-BE49-F238E27FC236}">
+                <a16:creationId xmlns:a16="http://schemas.microsoft.com/office/drawing/2014/main" id="{021B0EAD-185A-6789-BBD1-121E91183042}"/>
+              </a:ext>
+            </a:extLst>
+          </p:cNvPr>
+          <p:cNvSpPr/>
+          <p:nvPr/>
+        </p:nvSpPr>
+        <p:spPr>
+          <a:xfrm>
+            <a:off x="10710486" y="2934491"/>
+            <a:ext cx="5554133" cy="361812"/>
+          </a:xfrm>
+          <a:prstGeom prst="rect">
+            <a:avLst/>
+          </a:prstGeom>
+          <a:solidFill>
+            <a:schemeClr val="bg1"/>
+          </a:solidFill>
+          <a:ln>
+            <a:solidFill>
+              <a:schemeClr val="tx1"/>
+            </a:solidFill>
+          </a:ln>
+        </p:spPr>
+        <p:style>
+          <a:lnRef idx="2">
+            <a:schemeClr val="accent1">
+              <a:shade val="15000"/>
+            </a:schemeClr>
+          </a:lnRef>
+          <a:fillRef idx="1">
+            <a:schemeClr val="accent1"/>
+          </a:fillRef>
+          <a:effectRef idx="0">
+            <a:schemeClr val="accent1"/>
+          </a:effectRef>
+          <a:fontRef idx="minor">
+            <a:schemeClr val="lt1"/>
+          </a:fontRef>
+        </p:style>
+        <p:txBody>
+          <a:bodyPr rtlCol="0" anchor="ctr"/>
+          <a:lstStyle/>
+          <a:p>
+            <a:r>
+              <a:rPr lang="en-US" altLang="ko-KR" dirty="0" err="1">
+                <a:solidFill>
+                  <a:schemeClr val="tx1"/>
+                </a:solidFill>
+              </a:rPr>
+              <a:t>PossibilityCalc</a:t>
+            </a:r>
+            <a:endParaRPr lang="ko-KR" altLang="en-US" dirty="0">
+              <a:solidFill>
+                <a:schemeClr val="tx1"/>
+              </a:solidFill>
+            </a:endParaRPr>
+          </a:p>
+        </p:txBody>
+      </p:sp>
+      <p:sp>
+        <p:nvSpPr>
+          <p:cNvPr id="62" name="직사각형 61">
+            <a:extLst>
+              <a:ext uri="{FF2B5EF4-FFF2-40B4-BE49-F238E27FC236}">
+                <a16:creationId xmlns:a16="http://schemas.microsoft.com/office/drawing/2014/main" id="{7706A0A5-14ED-BFE2-6A43-70D509A23414}"/>
+              </a:ext>
+            </a:extLst>
+          </p:cNvPr>
+          <p:cNvSpPr/>
+          <p:nvPr/>
+        </p:nvSpPr>
+        <p:spPr>
+          <a:xfrm>
+            <a:off x="10906915" y="2380808"/>
+            <a:ext cx="5621864" cy="361812"/>
+          </a:xfrm>
+          <a:prstGeom prst="rect">
+            <a:avLst/>
+          </a:prstGeom>
+          <a:solidFill>
+            <a:schemeClr val="bg1"/>
+          </a:solidFill>
+          <a:ln>
+            <a:solidFill>
+              <a:schemeClr val="tx1"/>
+            </a:solidFill>
+          </a:ln>
+        </p:spPr>
+        <p:style>
+          <a:lnRef idx="2">
+            <a:schemeClr val="accent1">
+              <a:shade val="15000"/>
+            </a:schemeClr>
+          </a:lnRef>
+          <a:fillRef idx="1">
+            <a:schemeClr val="accent1"/>
+          </a:fillRef>
+          <a:effectRef idx="0">
+            <a:schemeClr val="accent1"/>
+          </a:effectRef>
+          <a:fontRef idx="minor">
+            <a:schemeClr val="lt1"/>
+          </a:fontRef>
+        </p:style>
+        <p:txBody>
+          <a:bodyPr rtlCol="0" anchor="ctr"/>
+          <a:lstStyle/>
+          <a:p>
+            <a:r>
+              <a:rPr lang="en-US" altLang="ko-KR" dirty="0" err="1">
+                <a:solidFill>
+                  <a:schemeClr val="tx1"/>
+                </a:solidFill>
+              </a:rPr>
+              <a:t>IsSuccessful</a:t>
+            </a:r>
+            <a:endParaRPr lang="ko-KR" altLang="en-US" dirty="0">
+              <a:solidFill>
+                <a:schemeClr val="tx1"/>
+              </a:solidFill>
+            </a:endParaRPr>
+          </a:p>
+        </p:txBody>
+      </p:sp>
+      <p:sp>
+        <p:nvSpPr>
+          <p:cNvPr id="63" name="TextBox 62">
+            <a:extLst>
+              <a:ext uri="{FF2B5EF4-FFF2-40B4-BE49-F238E27FC236}">
+                <a16:creationId xmlns:a16="http://schemas.microsoft.com/office/drawing/2014/main" id="{DCD335CB-D054-5A2A-D2A7-6144703BEFCF}"/>
+              </a:ext>
+            </a:extLst>
+          </p:cNvPr>
+          <p:cNvSpPr txBox="1"/>
+          <p:nvPr/>
+        </p:nvSpPr>
+        <p:spPr>
+          <a:xfrm>
+            <a:off x="12244124" y="2380808"/>
+            <a:ext cx="4341755" cy="1754326"/>
+          </a:xfrm>
+          <a:prstGeom prst="rect">
+            <a:avLst/>
+          </a:prstGeom>
+          <a:noFill/>
+        </p:spPr>
+        <p:txBody>
+          <a:bodyPr wrap="square" rtlCol="0">
+            <a:spAutoFit/>
+          </a:bodyPr>
+          <a:lstStyle/>
+          <a:p>
+            <a:pPr marL="285750" indent="-285750">
+              <a:buFontTx/>
+              <a:buChar char="-"/>
+            </a:pPr>
+            <a:r>
+              <a:rPr lang="ko-KR" altLang="en-US" dirty="0"/>
+              <a:t>지정한 확률에 따라 통과 여부를 반환</a:t>
+            </a:r>
+            <a:endParaRPr lang="en-US" altLang="ko-KR" dirty="0"/>
+          </a:p>
+          <a:p>
+            <a:pPr marL="285750" indent="-285750">
+              <a:buFontTx/>
+              <a:buChar char="-"/>
+            </a:pPr>
+            <a:endParaRPr lang="en-US" altLang="ko-KR" dirty="0"/>
+          </a:p>
+          <a:p>
+            <a:pPr marL="285750" indent="-285750">
+              <a:buFontTx/>
+              <a:buChar char="-"/>
+            </a:pPr>
+            <a:r>
+              <a:rPr lang="ko-KR" altLang="en-US" dirty="0"/>
+              <a:t>특정 </a:t>
+            </a:r>
+            <a:r>
+              <a:rPr lang="en-US" altLang="ko-KR" dirty="0"/>
+              <a:t>Stat</a:t>
+            </a:r>
+            <a:r>
+              <a:rPr lang="ko-KR" altLang="en-US" dirty="0"/>
+              <a:t>의 값에 따라 확률을 반환</a:t>
+            </a:r>
+            <a:endParaRPr lang="en-US" altLang="ko-KR" dirty="0"/>
+          </a:p>
+          <a:p>
+            <a:pPr marL="285750" indent="-285750">
+              <a:buFontTx/>
+              <a:buChar char="-"/>
+            </a:pPr>
+            <a:endParaRPr lang="en-US" altLang="ko-KR" dirty="0"/>
+          </a:p>
+          <a:p>
+            <a:pPr marL="285750" indent="-285750">
+              <a:buFontTx/>
+              <a:buChar char="-"/>
+            </a:pPr>
+            <a:r>
+              <a:rPr lang="ko-KR" altLang="en-US" dirty="0"/>
+              <a:t>계산된 확률을 활용해 반환된 통과 여부를 통해 최종 </a:t>
+            </a:r>
+            <a:r>
+              <a:rPr lang="en-US" altLang="ko-KR" dirty="0"/>
+              <a:t>Karma </a:t>
+            </a:r>
+            <a:r>
+              <a:rPr lang="ko-KR" altLang="en-US" dirty="0"/>
+              <a:t>값을 반환 </a:t>
+            </a:r>
+          </a:p>
+        </p:txBody>
+      </p:sp>
+      <p:cxnSp>
+        <p:nvCxnSpPr>
+          <p:cNvPr id="65" name="직선 화살표 연결선 64">
+            <a:extLst>
+              <a:ext uri="{FF2B5EF4-FFF2-40B4-BE49-F238E27FC236}">
+                <a16:creationId xmlns:a16="http://schemas.microsoft.com/office/drawing/2014/main" id="{F2E94E8D-FC49-EDDE-AB89-D20A915AF2A3}"/>
+              </a:ext>
+            </a:extLst>
+          </p:cNvPr>
+          <p:cNvCxnSpPr>
+            <a:cxnSpLocks/>
+          </p:cNvCxnSpPr>
+          <p:nvPr/>
+        </p:nvCxnSpPr>
+        <p:spPr>
+          <a:xfrm flipV="1">
+            <a:off x="6675328" y="5741480"/>
+            <a:ext cx="207816" cy="1"/>
+          </a:xfrm>
+          <a:prstGeom prst="straightConnector1">
+            <a:avLst/>
+          </a:prstGeom>
+          <a:ln>
+            <a:solidFill>
+              <a:schemeClr val="tx1"/>
+            </a:solidFill>
+            <a:tailEnd type="triangle"/>
+          </a:ln>
+        </p:spPr>
+        <p:style>
+          <a:lnRef idx="2">
+            <a:schemeClr val="accent1"/>
+          </a:lnRef>
+          <a:fillRef idx="0">
+            <a:schemeClr val="accent1"/>
+          </a:fillRef>
+          <a:effectRef idx="1">
+            <a:schemeClr val="accent1"/>
+          </a:effectRef>
+          <a:fontRef idx="minor">
+            <a:schemeClr val="tx1"/>
+          </a:fontRef>
+        </p:style>
+      </p:cxnSp>
+      <p:sp>
+        <p:nvSpPr>
+          <p:cNvPr id="66" name="직사각형 65">
+            <a:extLst>
+              <a:ext uri="{FF2B5EF4-FFF2-40B4-BE49-F238E27FC236}">
+                <a16:creationId xmlns:a16="http://schemas.microsoft.com/office/drawing/2014/main" id="{BB57B2D3-D498-1ABF-2B1F-640EF8B61622}"/>
+              </a:ext>
+            </a:extLst>
+          </p:cNvPr>
+          <p:cNvSpPr/>
+          <p:nvPr/>
+        </p:nvSpPr>
+        <p:spPr>
+          <a:xfrm>
+            <a:off x="6883144" y="5349908"/>
+            <a:ext cx="1616364" cy="766617"/>
+          </a:xfrm>
+          <a:prstGeom prst="rect">
+            <a:avLst/>
+          </a:prstGeom>
+          <a:solidFill>
+            <a:schemeClr val="bg1"/>
+          </a:solidFill>
+          <a:ln>
+            <a:solidFill>
+              <a:schemeClr val="tx1"/>
+            </a:solidFill>
+          </a:ln>
+        </p:spPr>
+        <p:style>
+          <a:lnRef idx="2">
+            <a:schemeClr val="accent1">
+              <a:shade val="15000"/>
+            </a:schemeClr>
+          </a:lnRef>
+          <a:fillRef idx="1">
+            <a:schemeClr val="accent1"/>
+          </a:fillRef>
+          <a:effectRef idx="0">
+            <a:schemeClr val="accent1"/>
+          </a:effectRef>
+          <a:fontRef idx="minor">
+            <a:schemeClr val="lt1"/>
+          </a:fontRef>
+        </p:style>
+        <p:txBody>
+          <a:bodyPr rtlCol="0" anchor="ctr"/>
+          <a:lstStyle/>
+          <a:p>
+            <a:pPr algn="ctr"/>
+            <a:r>
+              <a:rPr lang="en-US" altLang="ko-KR" sz="1400" dirty="0">
+                <a:solidFill>
+                  <a:sysClr val="windowText" lastClr="000000"/>
+                </a:solidFill>
+              </a:rPr>
+              <a:t>C. </a:t>
+            </a:r>
+            <a:r>
+              <a:rPr lang="ko-KR" altLang="en-US" sz="1400" dirty="0">
+                <a:solidFill>
+                  <a:sysClr val="windowText" lastClr="000000"/>
+                </a:solidFill>
+              </a:rPr>
+              <a:t>확률을 통해 전달된 통과 여부로 최종 결정 값 반환</a:t>
+            </a:r>
+            <a:endParaRPr lang="en-US" altLang="ko-KR" dirty="0">
+              <a:solidFill>
+                <a:sysClr val="windowText" lastClr="000000"/>
+              </a:solidFill>
+            </a:endParaRPr>
+          </a:p>
+        </p:txBody>
+      </p:sp>
+    </p:spTree>
+    <p:extLst>
+      <p:ext uri="{BB962C8B-B14F-4D97-AF65-F5344CB8AC3E}">
+        <p14:creationId xmlns:p14="http://schemas.microsoft.com/office/powerpoint/2010/main" val="1192690707"/>
+      </p:ext>
+    </p:extLst>
+  </p:cSld>
+  <p:clrMapOvr>
+    <a:masterClrMapping/>
+  </p:clrMapOvr>
+</p:sld>
+</file>
+
+<file path=ppt/slides/slide5.xml><?xml version="1.0" encoding="utf-8"?>
 <p:sld xmlns:a="http://schemas.openxmlformats.org/drawingml/2006/main" xmlns:r="http://schemas.openxmlformats.org/officeDocument/2006/relationships" xmlns:p="http://schemas.openxmlformats.org/presentationml/2006/main">
   <p:cSld>
     <p:spTree>

--- a/for_school/2nd semester/TDD용.pptx
+++ b/for_school/2nd semester/TDD용.pptx
@@ -263,7 +263,7 @@
           <a:p>
             <a:fld id="{8234BF1D-3D7D-4F3E-A7F6-DBC9807E5767}" type="datetimeFigureOut">
               <a:rPr lang="ko-KR" altLang="en-US" smtClean="0"/>
-              <a:t>2024-11-27</a:t>
+              <a:t>2024-12-02</a:t>
             </a:fld>
             <a:endParaRPr lang="ko-KR" altLang="en-US"/>
           </a:p>
@@ -461,7 +461,7 @@
           <a:p>
             <a:fld id="{8234BF1D-3D7D-4F3E-A7F6-DBC9807E5767}" type="datetimeFigureOut">
               <a:rPr lang="ko-KR" altLang="en-US" smtClean="0"/>
-              <a:t>2024-11-27</a:t>
+              <a:t>2024-12-02</a:t>
             </a:fld>
             <a:endParaRPr lang="ko-KR" altLang="en-US"/>
           </a:p>
@@ -669,7 +669,7 @@
           <a:p>
             <a:fld id="{8234BF1D-3D7D-4F3E-A7F6-DBC9807E5767}" type="datetimeFigureOut">
               <a:rPr lang="ko-KR" altLang="en-US" smtClean="0"/>
-              <a:t>2024-11-27</a:t>
+              <a:t>2024-12-02</a:t>
             </a:fld>
             <a:endParaRPr lang="ko-KR" altLang="en-US"/>
           </a:p>
@@ -867,7 +867,7 @@
           <a:p>
             <a:fld id="{8234BF1D-3D7D-4F3E-A7F6-DBC9807E5767}" type="datetimeFigureOut">
               <a:rPr lang="ko-KR" altLang="en-US" smtClean="0"/>
-              <a:t>2024-11-27</a:t>
+              <a:t>2024-12-02</a:t>
             </a:fld>
             <a:endParaRPr lang="ko-KR" altLang="en-US"/>
           </a:p>
@@ -1142,7 +1142,7 @@
           <a:p>
             <a:fld id="{8234BF1D-3D7D-4F3E-A7F6-DBC9807E5767}" type="datetimeFigureOut">
               <a:rPr lang="ko-KR" altLang="en-US" smtClean="0"/>
-              <a:t>2024-11-27</a:t>
+              <a:t>2024-12-02</a:t>
             </a:fld>
             <a:endParaRPr lang="ko-KR" altLang="en-US"/>
           </a:p>
@@ -1407,7 +1407,7 @@
           <a:p>
             <a:fld id="{8234BF1D-3D7D-4F3E-A7F6-DBC9807E5767}" type="datetimeFigureOut">
               <a:rPr lang="ko-KR" altLang="en-US" smtClean="0"/>
-              <a:t>2024-11-27</a:t>
+              <a:t>2024-12-02</a:t>
             </a:fld>
             <a:endParaRPr lang="ko-KR" altLang="en-US"/>
           </a:p>
@@ -1819,7 +1819,7 @@
           <a:p>
             <a:fld id="{8234BF1D-3D7D-4F3E-A7F6-DBC9807E5767}" type="datetimeFigureOut">
               <a:rPr lang="ko-KR" altLang="en-US" smtClean="0"/>
-              <a:t>2024-11-27</a:t>
+              <a:t>2024-12-02</a:t>
             </a:fld>
             <a:endParaRPr lang="ko-KR" altLang="en-US"/>
           </a:p>
@@ -1960,7 +1960,7 @@
           <a:p>
             <a:fld id="{8234BF1D-3D7D-4F3E-A7F6-DBC9807E5767}" type="datetimeFigureOut">
               <a:rPr lang="ko-KR" altLang="en-US" smtClean="0"/>
-              <a:t>2024-11-27</a:t>
+              <a:t>2024-12-02</a:t>
             </a:fld>
             <a:endParaRPr lang="ko-KR" altLang="en-US"/>
           </a:p>
@@ -2073,7 +2073,7 @@
           <a:p>
             <a:fld id="{8234BF1D-3D7D-4F3E-A7F6-DBC9807E5767}" type="datetimeFigureOut">
               <a:rPr lang="ko-KR" altLang="en-US" smtClean="0"/>
-              <a:t>2024-11-27</a:t>
+              <a:t>2024-12-02</a:t>
             </a:fld>
             <a:endParaRPr lang="ko-KR" altLang="en-US"/>
           </a:p>
@@ -2384,7 +2384,7 @@
           <a:p>
             <a:fld id="{8234BF1D-3D7D-4F3E-A7F6-DBC9807E5767}" type="datetimeFigureOut">
               <a:rPr lang="ko-KR" altLang="en-US" smtClean="0"/>
-              <a:t>2024-11-27</a:t>
+              <a:t>2024-12-02</a:t>
             </a:fld>
             <a:endParaRPr lang="ko-KR" altLang="en-US"/>
           </a:p>
@@ -2672,7 +2672,7 @@
           <a:p>
             <a:fld id="{8234BF1D-3D7D-4F3E-A7F6-DBC9807E5767}" type="datetimeFigureOut">
               <a:rPr lang="ko-KR" altLang="en-US" smtClean="0"/>
-              <a:t>2024-11-27</a:t>
+              <a:t>2024-12-02</a:t>
             </a:fld>
             <a:endParaRPr lang="ko-KR" altLang="en-US"/>
           </a:p>
@@ -2913,7 +2913,7 @@
           <a:p>
             <a:fld id="{8234BF1D-3D7D-4F3E-A7F6-DBC9807E5767}" type="datetimeFigureOut">
               <a:rPr lang="ko-KR" altLang="en-US" smtClean="0"/>
-              <a:t>2024-11-27</a:t>
+              <a:t>2024-12-02</a:t>
             </a:fld>
             <a:endParaRPr lang="ko-KR" altLang="en-US"/>
           </a:p>
